--- a/eece3170/sp16/lectures/eece.3170sp16_lec2_data.pptx
+++ b/eece3170/sp16/lectures/eece.3170sp16_lec2_data.pptx
@@ -547,7 +547,7 @@
             <a:tailEnd/>
           </a:ln>
           <a:extLst>
-            <a:ext uri="{909E8E84-426E-40dd-AFC4-6F175D3DCCD1}">
+            <a:ext uri="{909E8E84-426E-40DD-AFC4-6F175D3DCCD1}">
               <a14:hiddenFill xmlns:a14="http://schemas.microsoft.com/office/drawing/2010/main">
                 <a:solidFill>
                   <a:srgbClr val="FFFFFF"/>
@@ -555,7 +555,7 @@
               </a14:hiddenFill>
             </a:ext>
             <a:ext uri="{FAA26D3D-D897-4be2-8F04-BA451C77F1D7}">
-              <ma14:placeholderFlag xmlns:ma14="http://schemas.microsoft.com/office/mac/drawingml/2011/main" val="1"/>
+              <ma14:placeholderFlag xmlns:ma14="http://schemas.microsoft.com/office/mac/drawingml/2011/main" xmlns="" val="1"/>
             </a:ext>
           </a:extLst>
         </p:spPr>
@@ -893,14 +893,14 @@
           <a:noFill/>
           <a:ln/>
           <a:extLst>
-            <a:ext uri="{909E8E84-426E-40dd-AFC4-6F175D3DCCD1}">
+            <a:ext uri="{909E8E84-426E-40DD-AFC4-6F175D3DCCD1}">
               <a14:hiddenFill xmlns:a14="http://schemas.microsoft.com/office/drawing/2010/main">
                 <a:solidFill>
                   <a:srgbClr val="FFFFFF"/>
                 </a:solidFill>
               </a14:hiddenFill>
             </a:ext>
-            <a:ext uri="{91240B29-F687-4f45-9708-019B960494DF}">
+            <a:ext uri="{91240B29-F687-4F45-9708-019B960494DF}">
               <a14:hiddenLine xmlns:a14="http://schemas.microsoft.com/office/drawing/2010/main" w="9525">
                 <a:solidFill>
                   <a:srgbClr val="000000"/>
@@ -1068,14 +1068,14 @@
           <a:noFill/>
           <a:ln/>
           <a:extLst>
-            <a:ext uri="{909E8E84-426E-40dd-AFC4-6F175D3DCCD1}">
+            <a:ext uri="{909E8E84-426E-40DD-AFC4-6F175D3DCCD1}">
               <a14:hiddenFill xmlns:a14="http://schemas.microsoft.com/office/drawing/2010/main">
                 <a:solidFill>
                   <a:srgbClr val="FFFFFF"/>
                 </a:solidFill>
               </a14:hiddenFill>
             </a:ext>
-            <a:ext uri="{91240B29-F687-4f45-9708-019B960494DF}">
+            <a:ext uri="{91240B29-F687-4F45-9708-019B960494DF}">
               <a14:hiddenLine xmlns:a14="http://schemas.microsoft.com/office/drawing/2010/main" w="9525">
                 <a:solidFill>
                   <a:srgbClr val="000000"/>
@@ -1086,7 +1086,7 @@
               </a14:hiddenLine>
             </a:ext>
             <a:ext uri="{FAA26D3D-D897-4be2-8F04-BA451C77F1D7}">
-              <ma14:placeholderFlag xmlns:ma14="http://schemas.microsoft.com/office/mac/drawingml/2011/main" val="1"/>
+              <ma14:placeholderFlag xmlns:ma14="http://schemas.microsoft.com/office/mac/drawingml/2011/main" xmlns="" val="1"/>
             </a:ext>
           </a:extLst>
         </p:spPr>
@@ -1138,14 +1138,14 @@
           <a:noFill/>
           <a:ln/>
           <a:extLst>
-            <a:ext uri="{909E8E84-426E-40dd-AFC4-6F175D3DCCD1}">
+            <a:ext uri="{909E8E84-426E-40DD-AFC4-6F175D3DCCD1}">
               <a14:hiddenFill xmlns:a14="http://schemas.microsoft.com/office/drawing/2010/main">
                 <a:solidFill>
                   <a:srgbClr val="FFFFFF"/>
                 </a:solidFill>
               </a14:hiddenFill>
             </a:ext>
-            <a:ext uri="{91240B29-F687-4f45-9708-019B960494DF}">
+            <a:ext uri="{91240B29-F687-4F45-9708-019B960494DF}">
               <a14:hiddenLine xmlns:a14="http://schemas.microsoft.com/office/drawing/2010/main" w="9525">
                 <a:solidFill>
                   <a:srgbClr val="000000"/>
@@ -1279,7 +1279,7 @@
             <a:fld id="{9A721789-792E-EB4E-8BE7-301E83D31FE3}" type="datetime1">
               <a:rPr lang="en-US"/>
               <a:pPr/>
-              <a:t>1/20/16</a:t>
+              <a:t>1/22/2016</a:t>
             </a:fld>
             <a:endParaRPr lang="en-US"/>
           </a:p>
@@ -1299,14 +1299,14 @@
           <a:noFill/>
           <a:ln/>
           <a:extLst>
-            <a:ext uri="{909E8E84-426E-40dd-AFC4-6F175D3DCCD1}">
+            <a:ext uri="{909E8E84-426E-40DD-AFC4-6F175D3DCCD1}">
               <a14:hiddenFill xmlns:a14="http://schemas.microsoft.com/office/drawing/2010/main">
                 <a:solidFill>
                   <a:srgbClr val="FFFFFF"/>
                 </a:solidFill>
               </a14:hiddenFill>
             </a:ext>
-            <a:ext uri="{91240B29-F687-4f45-9708-019B960494DF}">
+            <a:ext uri="{91240B29-F687-4F45-9708-019B960494DF}">
               <a14:hiddenLine xmlns:a14="http://schemas.microsoft.com/office/drawing/2010/main" w="9525">
                 <a:solidFill>
                   <a:srgbClr val="000000"/>
@@ -1458,14 +1458,14 @@
           <a:noFill/>
           <a:ln/>
           <a:extLst>
-            <a:ext uri="{909E8E84-426E-40dd-AFC4-6F175D3DCCD1}">
+            <a:ext uri="{909E8E84-426E-40DD-AFC4-6F175D3DCCD1}">
               <a14:hiddenFill xmlns:a14="http://schemas.microsoft.com/office/drawing/2010/main">
                 <a:solidFill>
                   <a:srgbClr val="FFFFFF"/>
                 </a:solidFill>
               </a14:hiddenFill>
             </a:ext>
-            <a:ext uri="{91240B29-F687-4f45-9708-019B960494DF}">
+            <a:ext uri="{91240B29-F687-4F45-9708-019B960494DF}">
               <a14:hiddenLine xmlns:a14="http://schemas.microsoft.com/office/drawing/2010/main" w="9525">
                 <a:solidFill>
                   <a:srgbClr val="000000"/>
@@ -1633,14 +1633,14 @@
           <a:noFill/>
           <a:ln/>
           <a:extLst>
-            <a:ext uri="{909E8E84-426E-40dd-AFC4-6F175D3DCCD1}">
+            <a:ext uri="{909E8E84-426E-40DD-AFC4-6F175D3DCCD1}">
               <a14:hiddenFill xmlns:a14="http://schemas.microsoft.com/office/drawing/2010/main">
                 <a:solidFill>
                   <a:srgbClr val="FFFFFF"/>
                 </a:solidFill>
               </a14:hiddenFill>
             </a:ext>
-            <a:ext uri="{91240B29-F687-4f45-9708-019B960494DF}">
+            <a:ext uri="{91240B29-F687-4F45-9708-019B960494DF}">
               <a14:hiddenLine xmlns:a14="http://schemas.microsoft.com/office/drawing/2010/main" w="9525">
                 <a:solidFill>
                   <a:srgbClr val="000000"/>
@@ -1651,7 +1651,7 @@
               </a14:hiddenLine>
             </a:ext>
             <a:ext uri="{FAA26D3D-D897-4be2-8F04-BA451C77F1D7}">
-              <ma14:placeholderFlag xmlns:ma14="http://schemas.microsoft.com/office/mac/drawingml/2011/main" val="1"/>
+              <ma14:placeholderFlag xmlns:ma14="http://schemas.microsoft.com/office/mac/drawingml/2011/main" xmlns="" val="1"/>
             </a:ext>
           </a:extLst>
         </p:spPr>
@@ -1702,14 +1702,14 @@
           <a:noFill/>
           <a:ln/>
           <a:extLst>
-            <a:ext uri="{909E8E84-426E-40dd-AFC4-6F175D3DCCD1}">
+            <a:ext uri="{909E8E84-426E-40DD-AFC4-6F175D3DCCD1}">
               <a14:hiddenFill xmlns:a14="http://schemas.microsoft.com/office/drawing/2010/main">
                 <a:solidFill>
                   <a:srgbClr val="FFFFFF"/>
                 </a:solidFill>
               </a14:hiddenFill>
             </a:ext>
-            <a:ext uri="{91240B29-F687-4f45-9708-019B960494DF}">
+            <a:ext uri="{91240B29-F687-4F45-9708-019B960494DF}">
               <a14:hiddenLine xmlns:a14="http://schemas.microsoft.com/office/drawing/2010/main" w="9525">
                 <a:solidFill>
                   <a:srgbClr val="000000"/>
@@ -1843,7 +1843,7 @@
             <a:fld id="{D4876FCC-CA28-A643-BA06-52DD4FB1637F}" type="datetime1">
               <a:rPr lang="en-US"/>
               <a:pPr/>
-              <a:t>1/20/16</a:t>
+              <a:t>1/22/2016</a:t>
             </a:fld>
             <a:endParaRPr lang="en-US"/>
           </a:p>
@@ -1863,14 +1863,14 @@
           <a:noFill/>
           <a:ln/>
           <a:extLst>
-            <a:ext uri="{909E8E84-426E-40dd-AFC4-6F175D3DCCD1}">
+            <a:ext uri="{909E8E84-426E-40DD-AFC4-6F175D3DCCD1}">
               <a14:hiddenFill xmlns:a14="http://schemas.microsoft.com/office/drawing/2010/main">
                 <a:solidFill>
                   <a:srgbClr val="FFFFFF"/>
                 </a:solidFill>
               </a14:hiddenFill>
             </a:ext>
-            <a:ext uri="{91240B29-F687-4f45-9708-019B960494DF}">
+            <a:ext uri="{91240B29-F687-4F45-9708-019B960494DF}">
               <a14:hiddenLine xmlns:a14="http://schemas.microsoft.com/office/drawing/2010/main" w="9525">
                 <a:solidFill>
                   <a:srgbClr val="000000"/>
@@ -2022,14 +2022,14 @@
           <a:noFill/>
           <a:ln/>
           <a:extLst>
-            <a:ext uri="{909E8E84-426E-40dd-AFC4-6F175D3DCCD1}">
+            <a:ext uri="{909E8E84-426E-40DD-AFC4-6F175D3DCCD1}">
               <a14:hiddenFill xmlns:a14="http://schemas.microsoft.com/office/drawing/2010/main">
                 <a:solidFill>
                   <a:srgbClr val="FFFFFF"/>
                 </a:solidFill>
               </a14:hiddenFill>
             </a:ext>
-            <a:ext uri="{91240B29-F687-4f45-9708-019B960494DF}">
+            <a:ext uri="{91240B29-F687-4F45-9708-019B960494DF}">
               <a14:hiddenLine xmlns:a14="http://schemas.microsoft.com/office/drawing/2010/main" w="9525">
                 <a:solidFill>
                   <a:srgbClr val="000000"/>
@@ -2197,14 +2197,14 @@
           <a:noFill/>
           <a:ln/>
           <a:extLst>
-            <a:ext uri="{909E8E84-426E-40dd-AFC4-6F175D3DCCD1}">
+            <a:ext uri="{909E8E84-426E-40DD-AFC4-6F175D3DCCD1}">
               <a14:hiddenFill xmlns:a14="http://schemas.microsoft.com/office/drawing/2010/main">
                 <a:solidFill>
                   <a:srgbClr val="FFFFFF"/>
                 </a:solidFill>
               </a14:hiddenFill>
             </a:ext>
-            <a:ext uri="{91240B29-F687-4f45-9708-019B960494DF}">
+            <a:ext uri="{91240B29-F687-4F45-9708-019B960494DF}">
               <a14:hiddenLine xmlns:a14="http://schemas.microsoft.com/office/drawing/2010/main" w="9525">
                 <a:solidFill>
                   <a:srgbClr val="000000"/>
@@ -2215,7 +2215,7 @@
               </a14:hiddenLine>
             </a:ext>
             <a:ext uri="{FAA26D3D-D897-4be2-8F04-BA451C77F1D7}">
-              <ma14:placeholderFlag xmlns:ma14="http://schemas.microsoft.com/office/mac/drawingml/2011/main" val="1"/>
+              <ma14:placeholderFlag xmlns:ma14="http://schemas.microsoft.com/office/mac/drawingml/2011/main" xmlns="" val="1"/>
             </a:ext>
           </a:extLst>
         </p:spPr>
@@ -2266,14 +2266,14 @@
           <a:noFill/>
           <a:ln/>
           <a:extLst>
-            <a:ext uri="{909E8E84-426E-40dd-AFC4-6F175D3DCCD1}">
+            <a:ext uri="{909E8E84-426E-40DD-AFC4-6F175D3DCCD1}">
               <a14:hiddenFill xmlns:a14="http://schemas.microsoft.com/office/drawing/2010/main">
                 <a:solidFill>
                   <a:srgbClr val="FFFFFF"/>
                 </a:solidFill>
               </a14:hiddenFill>
             </a:ext>
-            <a:ext uri="{91240B29-F687-4f45-9708-019B960494DF}">
+            <a:ext uri="{91240B29-F687-4F45-9708-019B960494DF}">
               <a14:hiddenLine xmlns:a14="http://schemas.microsoft.com/office/drawing/2010/main" w="9525">
                 <a:solidFill>
                   <a:srgbClr val="000000"/>
@@ -2407,7 +2407,7 @@
             <a:fld id="{A3F15C21-3FF9-D643-896D-ED9D4319AC9F}" type="datetime1">
               <a:rPr lang="en-US"/>
               <a:pPr/>
-              <a:t>1/20/16</a:t>
+              <a:t>1/22/2016</a:t>
             </a:fld>
             <a:endParaRPr lang="en-US"/>
           </a:p>
@@ -2427,14 +2427,14 @@
           <a:noFill/>
           <a:ln/>
           <a:extLst>
-            <a:ext uri="{909E8E84-426E-40dd-AFC4-6F175D3DCCD1}">
+            <a:ext uri="{909E8E84-426E-40DD-AFC4-6F175D3DCCD1}">
               <a14:hiddenFill xmlns:a14="http://schemas.microsoft.com/office/drawing/2010/main">
                 <a:solidFill>
                   <a:srgbClr val="FFFFFF"/>
                 </a:solidFill>
               </a14:hiddenFill>
             </a:ext>
-            <a:ext uri="{91240B29-F687-4f45-9708-019B960494DF}">
+            <a:ext uri="{91240B29-F687-4F45-9708-019B960494DF}">
               <a14:hiddenLine xmlns:a14="http://schemas.microsoft.com/office/drawing/2010/main" w="9525">
                 <a:solidFill>
                   <a:srgbClr val="000000"/>
@@ -2586,14 +2586,14 @@
           <a:noFill/>
           <a:ln/>
           <a:extLst>
-            <a:ext uri="{909E8E84-426E-40dd-AFC4-6F175D3DCCD1}">
+            <a:ext uri="{909E8E84-426E-40DD-AFC4-6F175D3DCCD1}">
               <a14:hiddenFill xmlns:a14="http://schemas.microsoft.com/office/drawing/2010/main">
                 <a:solidFill>
                   <a:srgbClr val="FFFFFF"/>
                 </a:solidFill>
               </a14:hiddenFill>
             </a:ext>
-            <a:ext uri="{91240B29-F687-4f45-9708-019B960494DF}">
+            <a:ext uri="{91240B29-F687-4F45-9708-019B960494DF}">
               <a14:hiddenLine xmlns:a14="http://schemas.microsoft.com/office/drawing/2010/main" w="9525">
                 <a:solidFill>
                   <a:srgbClr val="000000"/>
@@ -2761,14 +2761,14 @@
           <a:noFill/>
           <a:ln/>
           <a:extLst>
-            <a:ext uri="{909E8E84-426E-40dd-AFC4-6F175D3DCCD1}">
+            <a:ext uri="{909E8E84-426E-40DD-AFC4-6F175D3DCCD1}">
               <a14:hiddenFill xmlns:a14="http://schemas.microsoft.com/office/drawing/2010/main">
                 <a:solidFill>
                   <a:srgbClr val="FFFFFF"/>
                 </a:solidFill>
               </a14:hiddenFill>
             </a:ext>
-            <a:ext uri="{91240B29-F687-4f45-9708-019B960494DF}">
+            <a:ext uri="{91240B29-F687-4F45-9708-019B960494DF}">
               <a14:hiddenLine xmlns:a14="http://schemas.microsoft.com/office/drawing/2010/main" w="9525">
                 <a:solidFill>
                   <a:srgbClr val="000000"/>
@@ -2779,7 +2779,7 @@
               </a14:hiddenLine>
             </a:ext>
             <a:ext uri="{FAA26D3D-D897-4be2-8F04-BA451C77F1D7}">
-              <ma14:placeholderFlag xmlns:ma14="http://schemas.microsoft.com/office/mac/drawingml/2011/main" val="1"/>
+              <ma14:placeholderFlag xmlns:ma14="http://schemas.microsoft.com/office/mac/drawingml/2011/main" xmlns="" val="1"/>
             </a:ext>
           </a:extLst>
         </p:spPr>
@@ -2830,14 +2830,14 @@
           <a:noFill/>
           <a:ln/>
           <a:extLst>
-            <a:ext uri="{909E8E84-426E-40dd-AFC4-6F175D3DCCD1}">
+            <a:ext uri="{909E8E84-426E-40DD-AFC4-6F175D3DCCD1}">
               <a14:hiddenFill xmlns:a14="http://schemas.microsoft.com/office/drawing/2010/main">
                 <a:solidFill>
                   <a:srgbClr val="FFFFFF"/>
                 </a:solidFill>
               </a14:hiddenFill>
             </a:ext>
-            <a:ext uri="{91240B29-F687-4f45-9708-019B960494DF}">
+            <a:ext uri="{91240B29-F687-4F45-9708-019B960494DF}">
               <a14:hiddenLine xmlns:a14="http://schemas.microsoft.com/office/drawing/2010/main" w="9525">
                 <a:solidFill>
                   <a:srgbClr val="000000"/>
@@ -2971,7 +2971,7 @@
             <a:fld id="{CF36AF7F-60C8-D349-873A-D68EF79EB869}" type="datetime1">
               <a:rPr lang="en-US"/>
               <a:pPr/>
-              <a:t>1/20/16</a:t>
+              <a:t>1/22/2016</a:t>
             </a:fld>
             <a:endParaRPr lang="en-US"/>
           </a:p>
@@ -2991,14 +2991,14 @@
           <a:noFill/>
           <a:ln/>
           <a:extLst>
-            <a:ext uri="{909E8E84-426E-40dd-AFC4-6F175D3DCCD1}">
+            <a:ext uri="{909E8E84-426E-40DD-AFC4-6F175D3DCCD1}">
               <a14:hiddenFill xmlns:a14="http://schemas.microsoft.com/office/drawing/2010/main">
                 <a:solidFill>
                   <a:srgbClr val="FFFFFF"/>
                 </a:solidFill>
               </a14:hiddenFill>
             </a:ext>
-            <a:ext uri="{91240B29-F687-4f45-9708-019B960494DF}">
+            <a:ext uri="{91240B29-F687-4F45-9708-019B960494DF}">
               <a14:hiddenLine xmlns:a14="http://schemas.microsoft.com/office/drawing/2010/main" w="9525">
                 <a:solidFill>
                   <a:srgbClr val="000000"/>
@@ -3150,14 +3150,14 @@
           <a:noFill/>
           <a:ln/>
           <a:extLst>
-            <a:ext uri="{909E8E84-426E-40dd-AFC4-6F175D3DCCD1}">
+            <a:ext uri="{909E8E84-426E-40DD-AFC4-6F175D3DCCD1}">
               <a14:hiddenFill xmlns:a14="http://schemas.microsoft.com/office/drawing/2010/main">
                 <a:solidFill>
                   <a:srgbClr val="FFFFFF"/>
                 </a:solidFill>
               </a14:hiddenFill>
             </a:ext>
-            <a:ext uri="{91240B29-F687-4f45-9708-019B960494DF}">
+            <a:ext uri="{91240B29-F687-4F45-9708-019B960494DF}">
               <a14:hiddenLine xmlns:a14="http://schemas.microsoft.com/office/drawing/2010/main" w="9525">
                 <a:solidFill>
                   <a:srgbClr val="000000"/>
@@ -3325,14 +3325,14 @@
           <a:noFill/>
           <a:ln/>
           <a:extLst>
-            <a:ext uri="{909E8E84-426E-40dd-AFC4-6F175D3DCCD1}">
+            <a:ext uri="{909E8E84-426E-40DD-AFC4-6F175D3DCCD1}">
               <a14:hiddenFill xmlns:a14="http://schemas.microsoft.com/office/drawing/2010/main">
                 <a:solidFill>
                   <a:srgbClr val="FFFFFF"/>
                 </a:solidFill>
               </a14:hiddenFill>
             </a:ext>
-            <a:ext uri="{91240B29-F687-4f45-9708-019B960494DF}">
+            <a:ext uri="{91240B29-F687-4F45-9708-019B960494DF}">
               <a14:hiddenLine xmlns:a14="http://schemas.microsoft.com/office/drawing/2010/main" w="9525">
                 <a:solidFill>
                   <a:srgbClr val="000000"/>
@@ -3343,7 +3343,7 @@
               </a14:hiddenLine>
             </a:ext>
             <a:ext uri="{FAA26D3D-D897-4be2-8F04-BA451C77F1D7}">
-              <ma14:placeholderFlag xmlns:ma14="http://schemas.microsoft.com/office/mac/drawingml/2011/main" val="1"/>
+              <ma14:placeholderFlag xmlns:ma14="http://schemas.microsoft.com/office/mac/drawingml/2011/main" xmlns="" val="1"/>
             </a:ext>
           </a:extLst>
         </p:spPr>
@@ -3394,14 +3394,14 @@
           <a:noFill/>
           <a:ln/>
           <a:extLst>
-            <a:ext uri="{909E8E84-426E-40dd-AFC4-6F175D3DCCD1}">
+            <a:ext uri="{909E8E84-426E-40DD-AFC4-6F175D3DCCD1}">
               <a14:hiddenFill xmlns:a14="http://schemas.microsoft.com/office/drawing/2010/main">
                 <a:solidFill>
                   <a:srgbClr val="FFFFFF"/>
                 </a:solidFill>
               </a14:hiddenFill>
             </a:ext>
-            <a:ext uri="{91240B29-F687-4f45-9708-019B960494DF}">
+            <a:ext uri="{91240B29-F687-4F45-9708-019B960494DF}">
               <a14:hiddenLine xmlns:a14="http://schemas.microsoft.com/office/drawing/2010/main" w="9525">
                 <a:solidFill>
                   <a:srgbClr val="000000"/>
@@ -3535,7 +3535,7 @@
             <a:fld id="{7223ADDA-AE31-B04C-9EA8-C7C0635A62CC}" type="datetime1">
               <a:rPr lang="en-US"/>
               <a:pPr/>
-              <a:t>1/20/16</a:t>
+              <a:t>1/22/2016</a:t>
             </a:fld>
             <a:endParaRPr lang="en-US"/>
           </a:p>
@@ -3555,14 +3555,14 @@
           <a:noFill/>
           <a:ln/>
           <a:extLst>
-            <a:ext uri="{909E8E84-426E-40dd-AFC4-6F175D3DCCD1}">
+            <a:ext uri="{909E8E84-426E-40DD-AFC4-6F175D3DCCD1}">
               <a14:hiddenFill xmlns:a14="http://schemas.microsoft.com/office/drawing/2010/main">
                 <a:solidFill>
                   <a:srgbClr val="FFFFFF"/>
                 </a:solidFill>
               </a14:hiddenFill>
             </a:ext>
-            <a:ext uri="{91240B29-F687-4f45-9708-019B960494DF}">
+            <a:ext uri="{91240B29-F687-4F45-9708-019B960494DF}">
               <a14:hiddenLine xmlns:a14="http://schemas.microsoft.com/office/drawing/2010/main" w="9525">
                 <a:solidFill>
                   <a:srgbClr val="000000"/>
@@ -3714,14 +3714,14 @@
           <a:noFill/>
           <a:ln/>
           <a:extLst>
-            <a:ext uri="{909E8E84-426E-40dd-AFC4-6F175D3DCCD1}">
+            <a:ext uri="{909E8E84-426E-40DD-AFC4-6F175D3DCCD1}">
               <a14:hiddenFill xmlns:a14="http://schemas.microsoft.com/office/drawing/2010/main">
                 <a:solidFill>
                   <a:srgbClr val="FFFFFF"/>
                 </a:solidFill>
               </a14:hiddenFill>
             </a:ext>
-            <a:ext uri="{91240B29-F687-4f45-9708-019B960494DF}">
+            <a:ext uri="{91240B29-F687-4F45-9708-019B960494DF}">
               <a14:hiddenLine xmlns:a14="http://schemas.microsoft.com/office/drawing/2010/main" w="9525">
                 <a:solidFill>
                   <a:srgbClr val="000000"/>
@@ -3889,14 +3889,14 @@
           <a:noFill/>
           <a:ln/>
           <a:extLst>
-            <a:ext uri="{909E8E84-426E-40dd-AFC4-6F175D3DCCD1}">
+            <a:ext uri="{909E8E84-426E-40DD-AFC4-6F175D3DCCD1}">
               <a14:hiddenFill xmlns:a14="http://schemas.microsoft.com/office/drawing/2010/main">
                 <a:solidFill>
                   <a:srgbClr val="FFFFFF"/>
                 </a:solidFill>
               </a14:hiddenFill>
             </a:ext>
-            <a:ext uri="{91240B29-F687-4f45-9708-019B960494DF}">
+            <a:ext uri="{91240B29-F687-4F45-9708-019B960494DF}">
               <a14:hiddenLine xmlns:a14="http://schemas.microsoft.com/office/drawing/2010/main" w="9525">
                 <a:solidFill>
                   <a:srgbClr val="000000"/>
@@ -3907,7 +3907,7 @@
               </a14:hiddenLine>
             </a:ext>
             <a:ext uri="{FAA26D3D-D897-4be2-8F04-BA451C77F1D7}">
-              <ma14:placeholderFlag xmlns:ma14="http://schemas.microsoft.com/office/mac/drawingml/2011/main" val="1"/>
+              <ma14:placeholderFlag xmlns:ma14="http://schemas.microsoft.com/office/mac/drawingml/2011/main" xmlns="" val="1"/>
             </a:ext>
           </a:extLst>
         </p:spPr>
@@ -4008,7 +4008,7 @@
             <a:tailEnd/>
           </a:ln>
           <a:extLst>
-            <a:ext uri="{909E8E84-426E-40dd-AFC4-6F175D3DCCD1}">
+            <a:ext uri="{909E8E84-426E-40DD-AFC4-6F175D3DCCD1}">
               <a14:hiddenFill xmlns:a14="http://schemas.microsoft.com/office/drawing/2010/main">
                 <a:solidFill>
                   <a:srgbClr val="FFFFFF"/>
@@ -4051,7 +4051,7 @@
             <a:tailEnd/>
           </a:ln>
           <a:extLst>
-            <a:ext uri="{909E8E84-426E-40dd-AFC4-6F175D3DCCD1}">
+            <a:ext uri="{909E8E84-426E-40DD-AFC4-6F175D3DCCD1}">
               <a14:hiddenFill xmlns:a14="http://schemas.microsoft.com/office/drawing/2010/main">
                 <a:noFill/>
               </a14:hiddenFill>
@@ -4152,7 +4152,7 @@
             <a:fld id="{F6BB821C-B3E3-F645-93BB-BA974FB63B03}" type="datetime1">
               <a:rPr lang="en-US"/>
               <a:pPr/>
-              <a:t>1/20/16</a:t>
+              <a:t>1/22/2016</a:t>
             </a:fld>
             <a:endParaRPr lang="en-US"/>
           </a:p>
@@ -4349,7 +4349,7 @@
             <a:fld id="{1E9BF533-8DB7-D048-B85F-B482F2D9DD87}" type="datetime1">
               <a:rPr lang="en-US"/>
               <a:pPr/>
-              <a:t>1/20/16</a:t>
+              <a:t>1/22/2016</a:t>
             </a:fld>
             <a:endParaRPr lang="en-US"/>
           </a:p>
@@ -4555,7 +4555,7 @@
             <a:fld id="{83AA0F41-89E5-D342-8B7C-C996FAD1753E}" type="datetime1">
               <a:rPr lang="en-US"/>
               <a:pPr/>
-              <a:t>1/20/16</a:t>
+              <a:t>1/22/2016</a:t>
             </a:fld>
             <a:endParaRPr lang="en-US"/>
           </a:p>
@@ -4818,7 +4818,7 @@
             <a:fld id="{FF580148-D370-1B44-851C-3326D44830F0}" type="datetime1">
               <a:rPr lang="en-US"/>
               <a:pPr/>
-              <a:t>1/20/16</a:t>
+              <a:t>1/22/2016</a:t>
             </a:fld>
             <a:endParaRPr lang="en-US"/>
           </a:p>
@@ -5081,7 +5081,7 @@
             <a:fld id="{BC4BF29B-11E9-BC45-888A-8F38D0CB4714}" type="datetime1">
               <a:rPr lang="en-US"/>
               <a:pPr/>
-              <a:t>1/20/16</a:t>
+              <a:t>1/22/2016</a:t>
             </a:fld>
             <a:endParaRPr lang="en-US"/>
           </a:p>
@@ -5315,7 +5315,7 @@
             <a:fld id="{E20CCE97-568B-0748-8BD7-7F1A5EB996CE}" type="datetime1">
               <a:rPr lang="en-US"/>
               <a:pPr/>
-              <a:t>1/20/16</a:t>
+              <a:t>1/22/2016</a:t>
             </a:fld>
             <a:endParaRPr lang="en-US"/>
           </a:p>
@@ -5582,7 +5582,7 @@
             <a:fld id="{F712238B-A08B-644E-9E32-FD0E1D85DB65}" type="datetime1">
               <a:rPr lang="en-US"/>
               <a:pPr/>
-              <a:t>1/20/16</a:t>
+              <a:t>1/22/2016</a:t>
             </a:fld>
             <a:endParaRPr lang="en-US"/>
           </a:p>
@@ -5774,7 +5774,7 @@
             <a:fld id="{8FE239C5-E53C-3D4F-8135-B2D3D0F77C14}" type="datetime1">
               <a:rPr lang="en-US"/>
               <a:pPr/>
-              <a:t>1/20/16</a:t>
+              <a:t>1/22/2016</a:t>
             </a:fld>
             <a:endParaRPr lang="en-US"/>
           </a:p>
@@ -5992,7 +5992,7 @@
             <a:fld id="{561BA18E-6CCA-614F-883C-BBBB7F6A55BD}" type="datetime1">
               <a:rPr lang="en-US"/>
               <a:pPr/>
-              <a:t>1/20/16</a:t>
+              <a:t>1/22/2016</a:t>
             </a:fld>
             <a:endParaRPr lang="en-US"/>
           </a:p>
@@ -6306,7 +6306,7 @@
             <a:fld id="{BF10E43D-2FBF-B64A-8387-50AFAFD53BA4}" type="datetime1">
               <a:rPr lang="en-US"/>
               <a:pPr/>
-              <a:t>1/20/16</a:t>
+              <a:t>1/22/2016</a:t>
             </a:fld>
             <a:endParaRPr lang="en-US"/>
           </a:p>
@@ -6759,7 +6759,7 @@
             <a:fld id="{D309BE9E-9041-3C4F-9E6E-2F7DCFE679B4}" type="datetime1">
               <a:rPr lang="en-US"/>
               <a:pPr/>
-              <a:t>1/20/16</a:t>
+              <a:t>1/22/2016</a:t>
             </a:fld>
             <a:endParaRPr lang="en-US"/>
           </a:p>
@@ -6903,7 +6903,7 @@
             <a:fld id="{73A6F33A-40CF-6C4E-B7F4-8A3460191771}" type="datetime1">
               <a:rPr lang="en-US"/>
               <a:pPr/>
-              <a:t>1/20/16</a:t>
+              <a:t>1/22/2016</a:t>
             </a:fld>
             <a:endParaRPr lang="en-US"/>
           </a:p>
@@ -7024,7 +7024,7 @@
             <a:fld id="{F55F87CA-F69B-A64B-8FD7-49F8E60B73AD}" type="datetime1">
               <a:rPr lang="en-US"/>
               <a:pPr/>
-              <a:t>1/20/16</a:t>
+              <a:t>1/22/2016</a:t>
             </a:fld>
             <a:endParaRPr lang="en-US"/>
           </a:p>
@@ -7327,7 +7327,7 @@
             <a:fld id="{972593E3-0247-D047-8661-D18812C70249}" type="datetime1">
               <a:rPr lang="en-US"/>
               <a:pPr/>
-              <a:t>1/20/16</a:t>
+              <a:t>1/22/2016</a:t>
             </a:fld>
             <a:endParaRPr lang="en-US"/>
           </a:p>
@@ -7607,7 +7607,7 @@
             <a:fld id="{20FE76B1-CD3E-964C-A000-9A746917D87A}" type="datetime1">
               <a:rPr lang="en-US"/>
               <a:pPr/>
-              <a:t>1/20/16</a:t>
+              <a:t>1/22/2016</a:t>
             </a:fld>
             <a:endParaRPr lang="en-US"/>
           </a:p>
@@ -7735,14 +7735,14 @@
             <a:noFill/>
           </a:ln>
           <a:extLst>
-            <a:ext uri="{909E8E84-426E-40dd-AFC4-6F175D3DCCD1}">
+            <a:ext uri="{909E8E84-426E-40DD-AFC4-6F175D3DCCD1}">
               <a14:hiddenFill xmlns:a14="http://schemas.microsoft.com/office/drawing/2010/main">
                 <a:solidFill>
                   <a:srgbClr val="FFFFFF"/>
                 </a:solidFill>
               </a14:hiddenFill>
             </a:ext>
-            <a:ext uri="{91240B29-F687-4f45-9708-019B960494DF}">
+            <a:ext uri="{91240B29-F687-4F45-9708-019B960494DF}">
               <a14:hiddenLine xmlns:a14="http://schemas.microsoft.com/office/drawing/2010/main" w="9525">
                 <a:solidFill>
                   <a:srgbClr val="000000"/>
@@ -7753,7 +7753,7 @@
               </a14:hiddenLine>
             </a:ext>
             <a:ext uri="{FAA26D3D-D897-4be2-8F04-BA451C77F1D7}">
-              <ma14:placeholderFlag xmlns:ma14="http://schemas.microsoft.com/office/mac/drawingml/2011/main" val="1"/>
+              <ma14:placeholderFlag xmlns:ma14="http://schemas.microsoft.com/office/mac/drawingml/2011/main" xmlns="" val="1"/>
             </a:ext>
           </a:extLst>
         </p:spPr>
@@ -7796,14 +7796,14 @@
             <a:noFill/>
           </a:ln>
           <a:extLst>
-            <a:ext uri="{909E8E84-426E-40dd-AFC4-6F175D3DCCD1}">
+            <a:ext uri="{909E8E84-426E-40DD-AFC4-6F175D3DCCD1}">
               <a14:hiddenFill xmlns:a14="http://schemas.microsoft.com/office/drawing/2010/main">
                 <a:solidFill>
                   <a:srgbClr val="FFFFFF"/>
                 </a:solidFill>
               </a14:hiddenFill>
             </a:ext>
-            <a:ext uri="{91240B29-F687-4f45-9708-019B960494DF}">
+            <a:ext uri="{91240B29-F687-4F45-9708-019B960494DF}">
               <a14:hiddenLine xmlns:a14="http://schemas.microsoft.com/office/drawing/2010/main" w="9525">
                 <a:solidFill>
                   <a:srgbClr val="000000"/>
@@ -7814,7 +7814,7 @@
               </a14:hiddenLine>
             </a:ext>
             <a:ext uri="{FAA26D3D-D897-4be2-8F04-BA451C77F1D7}">
-              <ma14:placeholderFlag xmlns:ma14="http://schemas.microsoft.com/office/mac/drawingml/2011/main" val="1"/>
+              <ma14:placeholderFlag xmlns:ma14="http://schemas.microsoft.com/office/mac/drawingml/2011/main" xmlns="" val="1"/>
             </a:ext>
           </a:extLst>
         </p:spPr>
@@ -7906,7 +7906,7 @@
             <a:fld id="{C020C692-BB28-2A46-BC92-11971FBFB0DC}" type="datetime1">
               <a:rPr lang="en-US"/>
               <a:pPr/>
-              <a:t>1/20/16</a:t>
+              <a:t>1/22/2016</a:t>
             </a:fld>
             <a:endParaRPr lang="en-US"/>
           </a:p>
@@ -8079,7 +8079,7 @@
             <a:tailEnd/>
           </a:ln>
           <a:extLst>
-            <a:ext uri="{909E8E84-426E-40dd-AFC4-6F175D3DCCD1}">
+            <a:ext uri="{909E8E84-426E-40DD-AFC4-6F175D3DCCD1}">
               <a14:hiddenFill xmlns:a14="http://schemas.microsoft.com/office/drawing/2010/main">
                 <a:solidFill>
                   <a:srgbClr val="FFFFFF"/>
@@ -8122,7 +8122,7 @@
             <a:tailEnd/>
           </a:ln>
           <a:extLst>
-            <a:ext uri="{909E8E84-426E-40dd-AFC4-6F175D3DCCD1}">
+            <a:ext uri="{909E8E84-426E-40DD-AFC4-6F175D3DCCD1}">
               <a14:hiddenFill xmlns:a14="http://schemas.microsoft.com/office/drawing/2010/main">
                 <a:noFill/>
               </a14:hiddenFill>
@@ -8160,7 +8160,7 @@
   <p:timing>
     <p:tnLst>
       <p:par>
-        <p:cTn xmlns:p14="http://schemas.microsoft.com/office/powerpoint/2010/main" id="1" dur="indefinite" restart="never" nodeType="tmRoot"/>
+        <p:cTn id="1" dur="indefinite" restart="never" nodeType="tmRoot"/>
       </p:par>
     </p:tnLst>
   </p:timing>
@@ -8764,7 +8764,7 @@
   <p:timing>
     <p:tnLst>
       <p:par>
-        <p:cTn xmlns:p14="http://schemas.microsoft.com/office/powerpoint/2010/main" id="1" dur="indefinite" restart="never" nodeType="tmRoot"/>
+        <p:cTn id="1" dur="indefinite" restart="never" nodeType="tmRoot"/>
       </p:par>
     </p:tnLst>
   </p:timing>
@@ -9217,7 +9217,7 @@
                 <a:latin typeface="Garamond" charset="0"/>
               </a:rPr>
               <a:pPr eaLnBrk="1" hangingPunct="1"/>
-              <a:t>1/20/16</a:t>
+              <a:t>1/22/2016</a:t>
             </a:fld>
             <a:endParaRPr lang="en-US">
               <a:latin typeface="Garamond" charset="0"/>
@@ -9402,7 +9402,7 @@
   <p:timing>
     <p:tnLst>
       <p:par>
-        <p:cTn xmlns:p14="http://schemas.microsoft.com/office/powerpoint/2010/main" id="1" dur="indefinite" restart="never" nodeType="tmRoot">
+        <p:cTn id="1" dur="indefinite" restart="never" nodeType="tmRoot">
           <p:childTnLst>
             <p:seq concurrent="1" nextAc="seek">
               <p:cTn id="2" dur="indefinite" nodeType="mainSeq">
@@ -9991,7 +9991,7 @@
                 <a:latin typeface="Garamond" charset="0"/>
               </a:rPr>
               <a:pPr eaLnBrk="1" hangingPunct="1"/>
-              <a:t>1/20/16</a:t>
+              <a:t>1/22/2016</a:t>
             </a:fld>
             <a:endParaRPr lang="en-US">
               <a:latin typeface="Garamond" charset="0"/>
@@ -10189,14 +10189,14 @@
             <a:noFill/>
           </a:ln>
           <a:extLst>
-            <a:ext uri="{909E8E84-426E-40dd-AFC4-6F175D3DCCD1}">
+            <a:ext uri="{909E8E84-426E-40DD-AFC4-6F175D3DCCD1}">
               <a14:hiddenFill xmlns:a14="http://schemas.microsoft.com/office/drawing/2010/main">
                 <a:solidFill>
                   <a:schemeClr val="accent1"/>
                 </a:solidFill>
               </a14:hiddenFill>
             </a:ext>
-            <a:ext uri="{91240B29-F687-4f45-9708-019B960494DF}">
+            <a:ext uri="{91240B29-F687-4F45-9708-019B960494DF}">
               <a14:hiddenLine xmlns:a14="http://schemas.microsoft.com/office/drawing/2010/main" w="9525">
                 <a:solidFill>
                   <a:schemeClr val="tx1"/>
@@ -10342,7 +10342,7 @@
           <p:nvPr/>
         </p:nvPicPr>
         <p:blipFill>
-          <a:blip r:embed="rId3">
+          <a:blip r:embed="rId3" cstate="email">
             <a:extLst>
               <a:ext uri="{28A0092B-C50C-407E-A947-70E740481C1C}">
                 <a14:useLocalDpi xmlns:a14="http://schemas.microsoft.com/office/drawing/2010/main" val="0"/>
@@ -10368,14 +10368,14 @@
           </a:ln>
           <a:effectLst/>
           <a:extLst>
-            <a:ext uri="{909E8E84-426E-40dd-AFC4-6F175D3DCCD1}">
+            <a:ext uri="{909E8E84-426E-40DD-AFC4-6F175D3DCCD1}">
               <a14:hiddenFill xmlns:a14="http://schemas.microsoft.com/office/drawing/2010/main">
                 <a:solidFill>
                   <a:schemeClr val="accent1"/>
                 </a:solidFill>
               </a14:hiddenFill>
             </a:ext>
-            <a:ext uri="{91240B29-F687-4f45-9708-019B960494DF}">
+            <a:ext uri="{91240B29-F687-4F45-9708-019B960494DF}">
               <a14:hiddenLine xmlns:a14="http://schemas.microsoft.com/office/drawing/2010/main" w="9525">
                 <a:solidFill>
                   <a:schemeClr val="tx1"/>
@@ -10385,7 +10385,7 @@
                 <a:tailEnd/>
               </a14:hiddenLine>
             </a:ext>
-            <a:ext uri="{AF507438-7753-43e0-B8FC-AC1667EBCBE1}">
+            <a:ext uri="{AF507438-7753-43E0-B8FC-AC1667EBCBE1}">
               <a14:hiddenEffects xmlns:a14="http://schemas.microsoft.com/office/drawing/2010/main">
                 <a:effectLst>
                   <a:outerShdw blurRad="63500" dist="38099" dir="2700000" algn="ctr" rotWithShape="0">
@@ -10408,7 +10408,7 @@
           <p:nvPr/>
         </p:nvPicPr>
         <p:blipFill>
-          <a:blip r:embed="rId4">
+          <a:blip r:embed="rId4" cstate="email">
             <a:extLst>
               <a:ext uri="{28A0092B-C50C-407E-A947-70E740481C1C}">
                 <a14:useLocalDpi xmlns:a14="http://schemas.microsoft.com/office/drawing/2010/main" val="0"/>
@@ -10434,14 +10434,14 @@
           </a:ln>
           <a:effectLst/>
           <a:extLst>
-            <a:ext uri="{909E8E84-426E-40dd-AFC4-6F175D3DCCD1}">
+            <a:ext uri="{909E8E84-426E-40DD-AFC4-6F175D3DCCD1}">
               <a14:hiddenFill xmlns:a14="http://schemas.microsoft.com/office/drawing/2010/main">
                 <a:solidFill>
                   <a:schemeClr val="accent1"/>
                 </a:solidFill>
               </a14:hiddenFill>
             </a:ext>
-            <a:ext uri="{91240B29-F687-4f45-9708-019B960494DF}">
+            <a:ext uri="{91240B29-F687-4F45-9708-019B960494DF}">
               <a14:hiddenLine xmlns:a14="http://schemas.microsoft.com/office/drawing/2010/main" w="9525">
                 <a:solidFill>
                   <a:schemeClr val="tx1"/>
@@ -10451,7 +10451,7 @@
                 <a:tailEnd/>
               </a14:hiddenLine>
             </a:ext>
-            <a:ext uri="{AF507438-7753-43e0-B8FC-AC1667EBCBE1}">
+            <a:ext uri="{AF507438-7753-43E0-B8FC-AC1667EBCBE1}">
               <a14:hiddenEffects xmlns:a14="http://schemas.microsoft.com/office/drawing/2010/main">
                 <a:effectLst>
                   <a:outerShdw blurRad="63500" dist="38099" dir="2700000" algn="ctr" rotWithShape="0">
@@ -10474,7 +10474,7 @@
           <p:nvPr/>
         </p:nvPicPr>
         <p:blipFill>
-          <a:blip r:embed="rId5">
+          <a:blip r:embed="rId5" cstate="email">
             <a:extLst>
               <a:ext uri="{28A0092B-C50C-407E-A947-70E740481C1C}">
                 <a14:useLocalDpi xmlns:a14="http://schemas.microsoft.com/office/drawing/2010/main" val="0"/>
@@ -10500,14 +10500,14 @@
           </a:ln>
           <a:effectLst/>
           <a:extLst>
-            <a:ext uri="{909E8E84-426E-40dd-AFC4-6F175D3DCCD1}">
+            <a:ext uri="{909E8E84-426E-40DD-AFC4-6F175D3DCCD1}">
               <a14:hiddenFill xmlns:a14="http://schemas.microsoft.com/office/drawing/2010/main">
                 <a:solidFill>
                   <a:schemeClr val="accent1"/>
                 </a:solidFill>
               </a14:hiddenFill>
             </a:ext>
-            <a:ext uri="{91240B29-F687-4f45-9708-019B960494DF}">
+            <a:ext uri="{91240B29-F687-4F45-9708-019B960494DF}">
               <a14:hiddenLine xmlns:a14="http://schemas.microsoft.com/office/drawing/2010/main" w="9525">
                 <a:solidFill>
                   <a:schemeClr val="tx1"/>
@@ -10517,7 +10517,7 @@
                 <a:tailEnd/>
               </a14:hiddenLine>
             </a:ext>
-            <a:ext uri="{AF507438-7753-43e0-B8FC-AC1667EBCBE1}">
+            <a:ext uri="{AF507438-7753-43E0-B8FC-AC1667EBCBE1}">
               <a14:hiddenEffects xmlns:a14="http://schemas.microsoft.com/office/drawing/2010/main">
                 <a:effectLst>
                   <a:outerShdw blurRad="63500" dist="38099" dir="2700000" algn="ctr" rotWithShape="0">
@@ -10539,7 +10539,7 @@
   <p:timing>
     <p:tnLst>
       <p:par>
-        <p:cTn xmlns:p14="http://schemas.microsoft.com/office/powerpoint/2010/main" id="1" dur="indefinite" restart="never" nodeType="tmRoot"/>
+        <p:cTn id="1" dur="indefinite" restart="never" nodeType="tmRoot"/>
       </p:par>
     </p:tnLst>
   </p:timing>
@@ -10603,7 +10603,7 @@
           </p:nvPr>
         </p:nvPicPr>
         <p:blipFill>
-          <a:blip r:embed="rId3">
+          <a:blip r:embed="rId3" cstate="email">
             <a:extLst>
               <a:ext uri="{28A0092B-C50C-407E-A947-70E740481C1C}">
                 <a14:useLocalDpi xmlns:a14="http://schemas.microsoft.com/office/drawing/2010/main" val="0"/>
@@ -10758,7 +10758,7 @@
                 <a:latin typeface="Garamond" charset="0"/>
               </a:rPr>
               <a:pPr eaLnBrk="1" hangingPunct="1"/>
-              <a:t>1/20/16</a:t>
+              <a:t>1/22/2016</a:t>
             </a:fld>
             <a:endParaRPr lang="en-US">
               <a:latin typeface="Garamond" charset="0"/>
@@ -10956,14 +10956,14 @@
             <a:noFill/>
           </a:ln>
           <a:extLst>
-            <a:ext uri="{909E8E84-426E-40dd-AFC4-6F175D3DCCD1}">
+            <a:ext uri="{909E8E84-426E-40DD-AFC4-6F175D3DCCD1}">
               <a14:hiddenFill xmlns:a14="http://schemas.microsoft.com/office/drawing/2010/main">
                 <a:solidFill>
                   <a:schemeClr val="accent1"/>
                 </a:solidFill>
               </a14:hiddenFill>
             </a:ext>
-            <a:ext uri="{91240B29-F687-4f45-9708-019B960494DF}">
+            <a:ext uri="{91240B29-F687-4F45-9708-019B960494DF}">
               <a14:hiddenLine xmlns:a14="http://schemas.microsoft.com/office/drawing/2010/main" w="9525">
                 <a:solidFill>
                   <a:schemeClr val="tx1"/>
@@ -11110,7 +11110,7 @@
   <p:timing>
     <p:tnLst>
       <p:par>
-        <p:cTn xmlns:p14="http://schemas.microsoft.com/office/powerpoint/2010/main" id="1" dur="indefinite" restart="never" nodeType="tmRoot"/>
+        <p:cTn id="1" dur="indefinite" restart="never" nodeType="tmRoot"/>
       </p:par>
     </p:tnLst>
   </p:timing>
@@ -11353,7 +11353,7 @@
                 <a:latin typeface="Garamond" charset="0"/>
               </a:rPr>
               <a:pPr eaLnBrk="1" hangingPunct="1"/>
-              <a:t>1/20/16</a:t>
+              <a:t>1/22/2016</a:t>
             </a:fld>
             <a:endParaRPr lang="en-US">
               <a:latin typeface="Garamond" charset="0"/>
@@ -11538,7 +11538,7 @@
   <p:timing>
     <p:tnLst>
       <p:par>
-        <p:cTn xmlns:p14="http://schemas.microsoft.com/office/powerpoint/2010/main" id="1" dur="indefinite" restart="never" nodeType="tmRoot"/>
+        <p:cTn id="1" dur="indefinite" restart="never" nodeType="tmRoot"/>
       </p:par>
     </p:tnLst>
   </p:timing>
@@ -12237,7 +12237,7 @@
                 <a:latin typeface="Garamond" charset="0"/>
               </a:rPr>
               <a:pPr eaLnBrk="1" hangingPunct="1"/>
-              <a:t>1/20/16</a:t>
+              <a:t>1/22/2016</a:t>
             </a:fld>
             <a:endParaRPr lang="en-US">
               <a:latin typeface="Garamond" charset="0"/>
@@ -12422,7 +12422,7 @@
   <p:timing>
     <p:tnLst>
       <p:par>
-        <p:cTn xmlns:p14="http://schemas.microsoft.com/office/powerpoint/2010/main" id="1" dur="indefinite" restart="never" nodeType="tmRoot"/>
+        <p:cTn id="1" dur="indefinite" restart="never" nodeType="tmRoot"/>
       </p:par>
     </p:tnLst>
   </p:timing>
@@ -12486,7 +12486,7 @@
           </p:nvPr>
         </p:nvPicPr>
         <p:blipFill>
-          <a:blip r:embed="rId3">
+          <a:blip r:embed="rId3" cstate="email">
             <a:extLst>
               <a:ext uri="{28A0092B-C50C-407E-A947-70E740481C1C}">
                 <a14:useLocalDpi xmlns:a14="http://schemas.microsoft.com/office/drawing/2010/main" val="0"/>
@@ -12641,7 +12641,7 @@
                 <a:latin typeface="Garamond" charset="0"/>
               </a:rPr>
               <a:pPr eaLnBrk="1" hangingPunct="1"/>
-              <a:t>1/20/16</a:t>
+              <a:t>1/22/2016</a:t>
             </a:fld>
             <a:endParaRPr lang="en-US">
               <a:latin typeface="Garamond" charset="0"/>
@@ -12839,14 +12839,14 @@
             <a:noFill/>
           </a:ln>
           <a:extLst>
-            <a:ext uri="{909E8E84-426E-40dd-AFC4-6F175D3DCCD1}">
+            <a:ext uri="{909E8E84-426E-40DD-AFC4-6F175D3DCCD1}">
               <a14:hiddenFill xmlns:a14="http://schemas.microsoft.com/office/drawing/2010/main">
                 <a:solidFill>
                   <a:schemeClr val="accent1"/>
                 </a:solidFill>
               </a14:hiddenFill>
             </a:ext>
-            <a:ext uri="{91240B29-F687-4f45-9708-019B960494DF}">
+            <a:ext uri="{91240B29-F687-4F45-9708-019B960494DF}">
               <a14:hiddenLine xmlns:a14="http://schemas.microsoft.com/office/drawing/2010/main" w="9525">
                 <a:solidFill>
                   <a:schemeClr val="tx1"/>
@@ -13072,7 +13072,7 @@
   <p:timing>
     <p:tnLst>
       <p:par>
-        <p:cTn xmlns:p14="http://schemas.microsoft.com/office/powerpoint/2010/main" id="1" dur="indefinite" restart="never" nodeType="tmRoot"/>
+        <p:cTn id="1" dur="indefinite" restart="never" nodeType="tmRoot"/>
       </p:par>
     </p:tnLst>
   </p:timing>
@@ -13136,7 +13136,7 @@
           </p:nvPr>
         </p:nvPicPr>
         <p:blipFill>
-          <a:blip r:embed="rId3">
+          <a:blip r:embed="rId3" cstate="email">
             <a:extLst>
               <a:ext uri="{28A0092B-C50C-407E-A947-70E740481C1C}">
                 <a14:useLocalDpi xmlns:a14="http://schemas.microsoft.com/office/drawing/2010/main" val="0"/>
@@ -13291,7 +13291,7 @@
                 <a:latin typeface="Garamond" charset="0"/>
               </a:rPr>
               <a:pPr eaLnBrk="1" hangingPunct="1"/>
-              <a:t>1/20/16</a:t>
+              <a:t>1/22/2016</a:t>
             </a:fld>
             <a:endParaRPr lang="en-US">
               <a:latin typeface="Garamond" charset="0"/>
@@ -13489,14 +13489,14 @@
             <a:noFill/>
           </a:ln>
           <a:extLst>
-            <a:ext uri="{909E8E84-426E-40dd-AFC4-6F175D3DCCD1}">
+            <a:ext uri="{909E8E84-426E-40DD-AFC4-6F175D3DCCD1}">
               <a14:hiddenFill xmlns:a14="http://schemas.microsoft.com/office/drawing/2010/main">
                 <a:solidFill>
                   <a:schemeClr val="accent1"/>
                 </a:solidFill>
               </a14:hiddenFill>
             </a:ext>
-            <a:ext uri="{91240B29-F687-4f45-9708-019B960494DF}">
+            <a:ext uri="{91240B29-F687-4F45-9708-019B960494DF}">
               <a14:hiddenLine xmlns:a14="http://schemas.microsoft.com/office/drawing/2010/main" w="9525">
                 <a:solidFill>
                   <a:schemeClr val="tx1"/>
@@ -13803,7 +13803,7 @@
   <p:timing>
     <p:tnLst>
       <p:par>
-        <p:cTn xmlns:p14="http://schemas.microsoft.com/office/powerpoint/2010/main" id="1" dur="indefinite" restart="never" nodeType="tmRoot"/>
+        <p:cTn id="1" dur="indefinite" restart="never" nodeType="tmRoot"/>
       </p:par>
     </p:tnLst>
   </p:timing>
@@ -14047,7 +14047,7 @@
                 <a:latin typeface="Garamond" charset="0"/>
               </a:rPr>
               <a:pPr eaLnBrk="1" hangingPunct="1"/>
-              <a:t>1/20/16</a:t>
+              <a:t>1/22/2016</a:t>
             </a:fld>
             <a:endParaRPr lang="en-US">
               <a:latin typeface="Garamond" charset="0"/>
@@ -14233,7 +14233,7 @@
           <p:nvPr/>
         </p:nvPicPr>
         <p:blipFill>
-          <a:blip r:embed="rId2">
+          <a:blip r:embed="rId2" cstate="email">
             <a:extLst>
               <a:ext uri="{28A0092B-C50C-407E-A947-70E740481C1C}">
                 <a14:useLocalDpi xmlns:a14="http://schemas.microsoft.com/office/drawing/2010/main" val="0"/>
@@ -14259,14 +14259,14 @@
           </a:ln>
           <a:effectLst/>
           <a:extLst>
-            <a:ext uri="{909E8E84-426E-40dd-AFC4-6F175D3DCCD1}">
+            <a:ext uri="{909E8E84-426E-40DD-AFC4-6F175D3DCCD1}">
               <a14:hiddenFill xmlns:a14="http://schemas.microsoft.com/office/drawing/2010/main">
                 <a:solidFill>
                   <a:schemeClr val="accent1"/>
                 </a:solidFill>
               </a14:hiddenFill>
             </a:ext>
-            <a:ext uri="{91240B29-F687-4f45-9708-019B960494DF}">
+            <a:ext uri="{91240B29-F687-4F45-9708-019B960494DF}">
               <a14:hiddenLine xmlns:a14="http://schemas.microsoft.com/office/drawing/2010/main" w="9525">
                 <a:solidFill>
                   <a:schemeClr val="tx1"/>
@@ -14276,7 +14276,7 @@
                 <a:tailEnd/>
               </a14:hiddenLine>
             </a:ext>
-            <a:ext uri="{AF507438-7753-43e0-B8FC-AC1667EBCBE1}">
+            <a:ext uri="{AF507438-7753-43E0-B8FC-AC1667EBCBE1}">
               <a14:hiddenEffects xmlns:a14="http://schemas.microsoft.com/office/drawing/2010/main">
                 <a:effectLst>
                   <a:outerShdw blurRad="63500" dist="38099" dir="2700000" algn="ctr" rotWithShape="0">
@@ -14298,7 +14298,7 @@
   <p:timing>
     <p:tnLst>
       <p:par>
-        <p:cTn xmlns:p14="http://schemas.microsoft.com/office/powerpoint/2010/main" id="1" dur="indefinite" restart="never" nodeType="tmRoot"/>
+        <p:cTn id="1" dur="indefinite" restart="never" nodeType="tmRoot"/>
       </p:par>
     </p:tnLst>
   </p:timing>
@@ -14447,6 +14447,21 @@
           </a:p>
           <a:p>
             <a:pPr lvl="1"/>
+            <a:r>
+              <a:rPr lang="en-US">
+                <a:latin typeface="Arial" charset="0"/>
+              </a:rPr>
+              <a:t>HW 1 to be posted; due Friday, 1/29, by 1:00 PM</a:t>
+            </a:r>
+          </a:p>
+          <a:p>
+            <a:pPr lvl="1"/>
+            <a:endParaRPr lang="en-US" dirty="0" smtClean="0">
+              <a:latin typeface="Arial" charset="0"/>
+            </a:endParaRPr>
+          </a:p>
+          <a:p>
+            <a:pPr lvl="1"/>
             <a:endParaRPr lang="en-US" dirty="0">
               <a:latin typeface="Arial" charset="0"/>
             </a:endParaRPr>
@@ -14589,7 +14604,7 @@
                 <a:latin typeface="Garamond" charset="0"/>
               </a:rPr>
               <a:pPr eaLnBrk="1" hangingPunct="1"/>
-              <a:t>1/20/16</a:t>
+              <a:t>1/22/2016</a:t>
             </a:fld>
             <a:endParaRPr lang="en-US">
               <a:latin typeface="Garamond" charset="0"/>
@@ -14774,7 +14789,7 @@
   <p:timing>
     <p:tnLst>
       <p:par>
-        <p:cTn xmlns:p14="http://schemas.microsoft.com/office/powerpoint/2010/main" id="1" dur="indefinite" restart="never" nodeType="tmRoot"/>
+        <p:cTn id="1" dur="indefinite" restart="never" nodeType="tmRoot"/>
       </p:par>
     </p:tnLst>
   </p:timing>
@@ -14860,6 +14875,18 @@
             </a:r>
           </a:p>
           <a:p>
+            <a:pPr lvl="1"/>
+            <a:r>
+              <a:rPr lang="en-US" dirty="0" smtClean="0">
+                <a:latin typeface="Arial" charset="0"/>
+              </a:rPr>
+              <a:t>HW 1 to be posted; due Friday, 1/29, by 1:00 PM</a:t>
+            </a:r>
+            <a:endParaRPr lang="en-US" dirty="0" smtClean="0">
+              <a:latin typeface="Arial" charset="0"/>
+            </a:endParaRPr>
+          </a:p>
+          <a:p>
             <a:r>
               <a:rPr lang="en-US" dirty="0" smtClean="0">
                 <a:latin typeface="Arial" charset="0"/>
@@ -15053,7 +15080,7 @@
                 <a:latin typeface="Garamond" charset="0"/>
               </a:rPr>
               <a:pPr eaLnBrk="1" hangingPunct="1"/>
-              <a:t>1/20/16</a:t>
+              <a:t>1/22/2016</a:t>
             </a:fld>
             <a:endParaRPr lang="en-US">
               <a:latin typeface="Garamond" charset="0"/>
@@ -15239,7 +15266,7 @@
   <p:timing>
     <p:tnLst>
       <p:par>
-        <p:cTn xmlns:p14="http://schemas.microsoft.com/office/powerpoint/2010/main" id="1" dur="indefinite" restart="never" nodeType="tmRoot"/>
+        <p:cTn id="1" dur="indefinite" restart="never" nodeType="tmRoot"/>
       </p:par>
     </p:tnLst>
   </p:timing>
@@ -15524,7 +15551,7 @@
                 <a:latin typeface="Garamond" charset="0"/>
               </a:rPr>
               <a:pPr eaLnBrk="1" hangingPunct="1"/>
-              <a:t>1/20/16</a:t>
+              <a:t>1/22/2016</a:t>
             </a:fld>
             <a:endParaRPr lang="en-US">
               <a:latin typeface="Garamond" charset="0"/>
@@ -15710,7 +15737,7 @@
   <p:timing>
     <p:tnLst>
       <p:par>
-        <p:cTn xmlns:p14="http://schemas.microsoft.com/office/powerpoint/2010/main" id="1" dur="indefinite" restart="never" nodeType="tmRoot"/>
+        <p:cTn id="1" dur="indefinite" restart="never" nodeType="tmRoot"/>
       </p:par>
     </p:tnLst>
   </p:timing>
@@ -15870,7 +15897,7 @@
                 <a:latin typeface="Garamond" charset="0"/>
               </a:rPr>
               <a:pPr eaLnBrk="1" hangingPunct="1"/>
-              <a:t>1/20/16</a:t>
+              <a:t>1/22/2016</a:t>
             </a:fld>
             <a:endParaRPr lang="en-US">
               <a:latin typeface="Garamond" charset="0"/>
@@ -16171,7 +16198,7 @@
           <p:nvPr/>
         </p:nvPicPr>
         <p:blipFill>
-          <a:blip r:embed="rId2">
+          <a:blip r:embed="rId2" cstate="email">
             <a:extLst>
               <a:ext uri="{28A0092B-C50C-407E-A947-70E740481C1C}">
                 <a14:useLocalDpi xmlns:a14="http://schemas.microsoft.com/office/drawing/2010/main" val="0"/>
@@ -16196,14 +16223,14 @@
             <a:noFill/>
           </a:ln>
           <a:extLst>
-            <a:ext uri="{909E8E84-426E-40dd-AFC4-6F175D3DCCD1}">
+            <a:ext uri="{909E8E84-426E-40DD-AFC4-6F175D3DCCD1}">
               <a14:hiddenFill xmlns:a14="http://schemas.microsoft.com/office/drawing/2010/main">
                 <a:solidFill>
                   <a:srgbClr val="FFFFFF"/>
                 </a:solidFill>
               </a14:hiddenFill>
             </a:ext>
-            <a:ext uri="{91240B29-F687-4f45-9708-019B960494DF}">
+            <a:ext uri="{91240B29-F687-4F45-9708-019B960494DF}">
               <a14:hiddenLine xmlns:a14="http://schemas.microsoft.com/office/drawing/2010/main" w="9525">
                 <a:solidFill>
                   <a:srgbClr val="000000"/>
@@ -16224,7 +16251,7 @@
   <p:timing>
     <p:tnLst>
       <p:par>
-        <p:cTn xmlns:p14="http://schemas.microsoft.com/office/powerpoint/2010/main" id="1" dur="indefinite" restart="never" nodeType="tmRoot"/>
+        <p:cTn id="1" dur="indefinite" restart="never" nodeType="tmRoot"/>
       </p:par>
     </p:tnLst>
   </p:timing>
@@ -16384,7 +16411,7 @@
                 <a:latin typeface="Garamond" charset="0"/>
               </a:rPr>
               <a:pPr eaLnBrk="1" hangingPunct="1"/>
-              <a:t>1/20/16</a:t>
+              <a:t>1/22/2016</a:t>
             </a:fld>
             <a:endParaRPr lang="en-US">
               <a:latin typeface="Garamond" charset="0"/>
@@ -16679,7 +16706,7 @@
           <p:nvPr/>
         </p:nvPicPr>
         <p:blipFill>
-          <a:blip r:embed="rId2">
+          <a:blip r:embed="rId2" cstate="email">
             <a:extLst>
               <a:ext uri="{28A0092B-C50C-407E-A947-70E740481C1C}">
                 <a14:useLocalDpi xmlns:a14="http://schemas.microsoft.com/office/drawing/2010/main" val="0"/>
@@ -16704,14 +16731,14 @@
             <a:noFill/>
           </a:ln>
           <a:extLst>
-            <a:ext uri="{909E8E84-426E-40dd-AFC4-6F175D3DCCD1}">
+            <a:ext uri="{909E8E84-426E-40DD-AFC4-6F175D3DCCD1}">
               <a14:hiddenFill xmlns:a14="http://schemas.microsoft.com/office/drawing/2010/main">
                 <a:solidFill>
                   <a:srgbClr val="FFFFFF"/>
                 </a:solidFill>
               </a14:hiddenFill>
             </a:ext>
-            <a:ext uri="{91240B29-F687-4f45-9708-019B960494DF}">
+            <a:ext uri="{91240B29-F687-4F45-9708-019B960494DF}">
               <a14:hiddenLine xmlns:a14="http://schemas.microsoft.com/office/drawing/2010/main" w="9525">
                 <a:solidFill>
                   <a:srgbClr val="000000"/>
@@ -16732,7 +16759,7 @@
   <p:timing>
     <p:tnLst>
       <p:par>
-        <p:cTn xmlns:p14="http://schemas.microsoft.com/office/powerpoint/2010/main" id="1" dur="indefinite" restart="never" nodeType="tmRoot"/>
+        <p:cTn id="1" dur="indefinite" restart="never" nodeType="tmRoot"/>
       </p:par>
     </p:tnLst>
   </p:timing>
@@ -16892,7 +16919,7 @@
                 <a:latin typeface="Garamond" charset="0"/>
               </a:rPr>
               <a:pPr eaLnBrk="1" hangingPunct="1"/>
-              <a:t>1/20/16</a:t>
+              <a:t>1/22/2016</a:t>
             </a:fld>
             <a:endParaRPr lang="en-US">
               <a:latin typeface="Garamond" charset="0"/>
@@ -17164,7 +17191,7 @@
   <p:timing>
     <p:tnLst>
       <p:par>
-        <p:cTn xmlns:p14="http://schemas.microsoft.com/office/powerpoint/2010/main" id="1" dur="indefinite" restart="never" nodeType="tmRoot"/>
+        <p:cTn id="1" dur="indefinite" restart="never" nodeType="tmRoot"/>
       </p:par>
     </p:tnLst>
   </p:timing>
@@ -17650,7 +17677,7 @@
                 <a:latin typeface="Garamond" charset="0"/>
               </a:rPr>
               <a:pPr eaLnBrk="1" hangingPunct="1"/>
-              <a:t>1/20/16</a:t>
+              <a:t>1/22/2016</a:t>
             </a:fld>
             <a:endParaRPr lang="en-US">
               <a:latin typeface="Garamond" charset="0"/>
@@ -17836,7 +17863,7 @@
   <p:timing>
     <p:tnLst>
       <p:par>
-        <p:cTn xmlns:p14="http://schemas.microsoft.com/office/powerpoint/2010/main" id="1" dur="indefinite" restart="never" nodeType="tmRoot"/>
+        <p:cTn id="1" dur="indefinite" restart="never" nodeType="tmRoot"/>
       </p:par>
     </p:tnLst>
   </p:timing>
@@ -18242,7 +18269,7 @@
                 <a:latin typeface="Garamond" charset="0"/>
               </a:rPr>
               <a:pPr eaLnBrk="1" hangingPunct="1"/>
-              <a:t>1/20/16</a:t>
+              <a:t>1/22/2016</a:t>
             </a:fld>
             <a:endParaRPr lang="en-US">
               <a:latin typeface="Garamond" charset="0"/>
@@ -18428,7 +18455,7 @@
   <p:timing>
     <p:tnLst>
       <p:par>
-        <p:cTn xmlns:p14="http://schemas.microsoft.com/office/powerpoint/2010/main" id="1" dur="indefinite" restart="never" nodeType="tmRoot">
+        <p:cTn id="1" dur="indefinite" restart="never" nodeType="tmRoot">
           <p:childTnLst>
             <p:seq concurrent="1" nextAc="seek">
               <p:cTn id="2" dur="indefinite" nodeType="mainSeq">
@@ -19141,7 +19168,7 @@
                 <a:latin typeface="Garamond" charset="0"/>
               </a:rPr>
               <a:pPr eaLnBrk="1" hangingPunct="1"/>
-              <a:t>1/20/16</a:t>
+              <a:t>1/22/2016</a:t>
             </a:fld>
             <a:endParaRPr lang="en-US">
               <a:latin typeface="Garamond" charset="0"/>
@@ -19327,7 +19354,7 @@
   <p:timing>
     <p:tnLst>
       <p:par>
-        <p:cTn xmlns:p14="http://schemas.microsoft.com/office/powerpoint/2010/main" id="1" dur="indefinite" restart="never" nodeType="tmRoot"/>
+        <p:cTn id="1" dur="indefinite" restart="never" nodeType="tmRoot"/>
       </p:par>
     </p:tnLst>
   </p:timing>
